--- a/mf1_prezentacio.pptx
+++ b/mf1_prezentacio.pptx
@@ -8,10 +8,10 @@
     <p:sldMasterId id="2147483724" r:id="rId4"/>
   </p:sldMasterIdLst>
   <p:notesMasterIdLst>
-    <p:notesMasterId r:id="rId14"/>
+    <p:notesMasterId r:id="rId15"/>
   </p:notesMasterIdLst>
   <p:handoutMasterIdLst>
-    <p:handoutMasterId r:id="rId15"/>
+    <p:handoutMasterId r:id="rId16"/>
   </p:handoutMasterIdLst>
   <p:sldIdLst>
     <p:sldId id="453" r:id="rId5"/>
@@ -23,6 +23,7 @@
     <p:sldId id="455" r:id="rId11"/>
     <p:sldId id="456" r:id="rId12"/>
     <p:sldId id="461" r:id="rId13"/>
+    <p:sldId id="463" r:id="rId14"/>
   </p:sldIdLst>
   <p:sldSz cx="12192000" cy="6858000"/>
   <p:notesSz cx="6858000" cy="9144000"/>
@@ -184,6 +185,14 @@
 </p188:authorLst>
 </file>
 
+<file path=ppt/revisionInfo.xml><?xml version="1.0" encoding="utf-8"?>
+<p1510:revInfo xmlns:a="http://schemas.openxmlformats.org/drawingml/2006/main" xmlns:r="http://schemas.openxmlformats.org/officeDocument/2006/relationships" xmlns:p1510="http://schemas.microsoft.com/office/powerpoint/2015/10/main">
+  <p1510:revLst>
+    <p1510:client id="{1EE01E61-19E1-48DA-8AD5-52208C1B9684}" v="30" dt="2023-10-10T16:21:59.274"/>
+  </p1510:revLst>
+</p1510:revInfo>
+</file>
+
 <file path=ppt/charts/chart1.xml><?xml version="1.0" encoding="utf-8"?>
 <c:chartSpace xmlns:c="http://schemas.openxmlformats.org/drawingml/2006/chart" xmlns:a="http://schemas.openxmlformats.org/drawingml/2006/main" xmlns:r="http://schemas.openxmlformats.org/officeDocument/2006/relationships" xmlns:c16r2="http://schemas.microsoft.com/office/drawing/2015/06/chart">
   <c:date1904 val="0"/>
@@ -266,7 +275,7 @@
               <a:cs typeface="+mn-cs"/>
             </a:defRPr>
           </a:pPr>
-          <a:endParaRPr lang="en-US"/>
+          <a:endParaRPr lang="hu-HU"/>
         </a:p>
       </c:txPr>
     </c:title>
@@ -401,7 +410,7 @@
                 <a:cs typeface="+mn-cs"/>
               </a:defRPr>
             </a:pPr>
-            <a:endParaRPr lang="en-US"/>
+            <a:endParaRPr lang="hu-HU"/>
           </a:p>
         </c:txPr>
         <c:crossAx val="281901711"/>
@@ -485,7 +494,7 @@
               <a:cs typeface="+mn-cs"/>
             </a:defRPr>
           </a:pPr>
-          <a:endParaRPr lang="en-US"/>
+          <a:endParaRPr lang="hu-HU"/>
         </a:p>
       </c:txPr>
     </c:legend>
@@ -514,7 +523,7 @@
       <a:pPr>
         <a:defRPr/>
       </a:pPr>
-      <a:endParaRPr lang="en-US"/>
+      <a:endParaRPr lang="hu-HU"/>
     </a:p>
   </c:txPr>
   <c:externalData r:id="rId3">
@@ -1162,7 +1171,7 @@
           <a:p>
             <a:fld id="{E54A69E4-EFBB-4687-8058-A94EE1B5781B}" type="datetimeFigureOut">
               <a:rPr lang="en-US" smtClean="0"/>
-              <a:t>10/7/2023</a:t>
+              <a:t>10/10/2023</a:t>
             </a:fld>
             <a:endParaRPr lang="en-US" dirty="0"/>
           </a:p>
@@ -1339,7 +1348,7 @@
           <a:p>
             <a:fld id="{CDE546B2-EB9C-4E9C-8793-C25F32D58B9A}" type="datetimeFigureOut">
               <a:rPr lang="en-US" smtClean="0"/>
-              <a:t>10/7/2023</a:t>
+              <a:t>10/10/2023</a:t>
             </a:fld>
             <a:endParaRPr lang="en-US" dirty="0"/>
           </a:p>
@@ -1690,6 +1699,90 @@
 </p:notes>
 </file>
 
+<file path=ppt/notesSlides/notesSlide10.xml><?xml version="1.0" encoding="utf-8"?>
+<p:notes xmlns:a="http://schemas.openxmlformats.org/drawingml/2006/main" xmlns:r="http://schemas.openxmlformats.org/officeDocument/2006/relationships" xmlns:p="http://schemas.openxmlformats.org/presentationml/2006/main">
+  <p:cSld>
+    <p:spTree>
+      <p:nvGrpSpPr>
+        <p:cNvPr id="1" name=""/>
+        <p:cNvGrpSpPr/>
+        <p:nvPr/>
+      </p:nvGrpSpPr>
+      <p:grpSpPr>
+        <a:xfrm>
+          <a:off x="0" y="0"/>
+          <a:ext cx="0" cy="0"/>
+          <a:chOff x="0" y="0"/>
+          <a:chExt cx="0" cy="0"/>
+        </a:xfrm>
+      </p:grpSpPr>
+      <p:sp>
+        <p:nvSpPr>
+          <p:cNvPr id="2" name="Slide Image Placeholder 1"/>
+          <p:cNvSpPr>
+            <a:spLocks noGrp="1" noRot="1" noChangeAspect="1"/>
+          </p:cNvSpPr>
+          <p:nvPr>
+            <p:ph type="sldImg"/>
+          </p:nvPr>
+        </p:nvSpPr>
+        <p:spPr/>
+      </p:sp>
+      <p:sp>
+        <p:nvSpPr>
+          <p:cNvPr id="3" name="Notes Placeholder 2"/>
+          <p:cNvSpPr>
+            <a:spLocks noGrp="1"/>
+          </p:cNvSpPr>
+          <p:nvPr>
+            <p:ph type="body" idx="1"/>
+          </p:nvPr>
+        </p:nvSpPr>
+        <p:spPr/>
+        <p:txBody>
+          <a:bodyPr/>
+          <a:lstStyle/>
+          <a:p>
+            <a:endParaRPr lang="en-US" dirty="0"/>
+          </a:p>
+        </p:txBody>
+      </p:sp>
+      <p:sp>
+        <p:nvSpPr>
+          <p:cNvPr id="4" name="Slide Number Placeholder 3"/>
+          <p:cNvSpPr>
+            <a:spLocks noGrp="1"/>
+          </p:cNvSpPr>
+          <p:nvPr>
+            <p:ph type="sldNum" sz="quarter" idx="5"/>
+          </p:nvPr>
+        </p:nvSpPr>
+        <p:spPr/>
+        <p:txBody>
+          <a:bodyPr/>
+          <a:lstStyle/>
+          <a:p>
+            <a:fld id="{6B83F1C3-4FA3-4491-97F4-43CA9C8BDFDF}" type="slidenum">
+              <a:rPr lang="en-US" smtClean="0"/>
+              <a:t>10</a:t>
+            </a:fld>
+            <a:endParaRPr lang="en-US" dirty="0"/>
+          </a:p>
+        </p:txBody>
+      </p:sp>
+    </p:spTree>
+    <p:extLst>
+      <p:ext uri="{BB962C8B-B14F-4D97-AF65-F5344CB8AC3E}">
+        <p14:creationId xmlns:p14="http://schemas.microsoft.com/office/powerpoint/2010/main" val="2103706524"/>
+      </p:ext>
+    </p:extLst>
+  </p:cSld>
+  <p:clrMapOvr>
+    <a:masterClrMapping/>
+  </p:clrMapOvr>
+</p:notes>
+</file>
+
 <file path=ppt/notesSlides/notesSlide2.xml><?xml version="1.0" encoding="utf-8"?>
 <p:notes xmlns:a="http://schemas.openxmlformats.org/drawingml/2006/main" xmlns:r="http://schemas.openxmlformats.org/officeDocument/2006/relationships" xmlns:p="http://schemas.openxmlformats.org/presentationml/2006/main">
   <p:cSld>
@@ -6340,7 +6433,7 @@
           <a:p>
             <a:fld id="{8F310904-DE8F-4B8E-99C6-5AFA03672FFA}" type="datetimeFigureOut">
               <a:rPr lang="en-US" smtClean="0"/>
-              <a:t>10/7/2023</a:t>
+              <a:t>10/10/2023</a:t>
             </a:fld>
             <a:endParaRPr lang="en-US" dirty="0"/>
           </a:p>
@@ -6871,7 +6964,7 @@
           <a:p>
             <a:fld id="{8F310904-DE8F-4B8E-99C6-5AFA03672FFA}" type="datetimeFigureOut">
               <a:rPr lang="en-US" smtClean="0"/>
-              <a:t>10/7/2023</a:t>
+              <a:t>10/10/2023</a:t>
             </a:fld>
             <a:endParaRPr lang="en-US" dirty="0"/>
           </a:p>
@@ -7399,7 +7492,7 @@
           <a:p>
             <a:fld id="{8F310904-DE8F-4B8E-99C6-5AFA03672FFA}" type="datetimeFigureOut">
               <a:rPr lang="en-US" smtClean="0"/>
-              <a:t>10/7/2023</a:t>
+              <a:t>10/10/2023</a:t>
             </a:fld>
             <a:endParaRPr lang="en-US" dirty="0"/>
           </a:p>
@@ -7927,7 +8020,7 @@
           <a:p>
             <a:fld id="{8F310904-DE8F-4B8E-99C6-5AFA03672FFA}" type="datetimeFigureOut">
               <a:rPr lang="en-US" smtClean="0"/>
-              <a:t>10/7/2023</a:t>
+              <a:t>10/10/2023</a:t>
             </a:fld>
             <a:endParaRPr lang="en-US" dirty="0"/>
           </a:p>
@@ -9438,6 +9531,284 @@
     <p:extLst>
       <p:ext uri="{BB962C8B-B14F-4D97-AF65-F5344CB8AC3E}">
         <p14:creationId xmlns:p14="http://schemas.microsoft.com/office/powerpoint/2010/main" val="3622287443"/>
+      </p:ext>
+    </p:extLst>
+  </p:cSld>
+  <p:clrMapOvr>
+    <a:masterClrMapping/>
+  </p:clrMapOvr>
+</p:sld>
+</file>
+
+<file path=ppt/slides/slide10.xml><?xml version="1.0" encoding="utf-8"?>
+<p:sld xmlns:a="http://schemas.openxmlformats.org/drawingml/2006/main" xmlns:r="http://schemas.openxmlformats.org/officeDocument/2006/relationships" xmlns:p="http://schemas.openxmlformats.org/presentationml/2006/main">
+  <p:cSld>
+    <p:spTree>
+      <p:nvGrpSpPr>
+        <p:cNvPr id="1" name=""/>
+        <p:cNvGrpSpPr/>
+        <p:nvPr/>
+      </p:nvGrpSpPr>
+      <p:grpSpPr>
+        <a:xfrm>
+          <a:off x="0" y="0"/>
+          <a:ext cx="0" cy="0"/>
+          <a:chOff x="0" y="0"/>
+          <a:chExt cx="0" cy="0"/>
+        </a:xfrm>
+      </p:grpSpPr>
+      <p:sp>
+        <p:nvSpPr>
+          <p:cNvPr id="8" name="Téglalap 7">
+            <a:extLst>
+              <a:ext uri="{FF2B5EF4-FFF2-40B4-BE49-F238E27FC236}">
+                <a16:creationId xmlns:a16="http://schemas.microsoft.com/office/drawing/2014/main" id="{EA01AEC1-9CE9-F078-3385-68486951E5D0}"/>
+              </a:ext>
+            </a:extLst>
+          </p:cNvPr>
+          <p:cNvSpPr>
+            <a:spLocks noGrp="1" noRot="1" noMove="1" noResize="1" noEditPoints="1" noAdjustHandles="1" noChangeArrowheads="1" noChangeShapeType="1"/>
+          </p:cNvSpPr>
+          <p:nvPr/>
+        </p:nvSpPr>
+        <p:spPr>
+          <a:xfrm>
+            <a:off x="0" y="2021304"/>
+            <a:ext cx="12192000" cy="5002951"/>
+          </a:xfrm>
+          <a:prstGeom prst="rect">
+            <a:avLst/>
+          </a:prstGeom>
+          <a:solidFill>
+            <a:srgbClr val="D29381"/>
+          </a:solidFill>
+          <a:ln>
+            <a:noFill/>
+          </a:ln>
+        </p:spPr>
+        <p:style>
+          <a:lnRef idx="2">
+            <a:schemeClr val="accent1">
+              <a:shade val="15000"/>
+            </a:schemeClr>
+          </a:lnRef>
+          <a:fillRef idx="1">
+            <a:schemeClr val="accent1"/>
+          </a:fillRef>
+          <a:effectRef idx="0">
+            <a:schemeClr val="accent1"/>
+          </a:effectRef>
+          <a:fontRef idx="minor">
+            <a:schemeClr val="lt1"/>
+          </a:fontRef>
+        </p:style>
+        <p:txBody>
+          <a:bodyPr rtlCol="0" anchor="ctr"/>
+          <a:lstStyle/>
+          <a:p>
+            <a:pPr algn="ctr"/>
+            <a:endParaRPr lang="en-US"/>
+          </a:p>
+        </p:txBody>
+      </p:sp>
+      <p:sp>
+        <p:nvSpPr>
+          <p:cNvPr id="9" name="Téglalap 8">
+            <a:extLst>
+              <a:ext uri="{FF2B5EF4-FFF2-40B4-BE49-F238E27FC236}">
+                <a16:creationId xmlns:a16="http://schemas.microsoft.com/office/drawing/2014/main" id="{94C3743A-CD7E-84FA-B22A-4495608DA24F}"/>
+              </a:ext>
+            </a:extLst>
+          </p:cNvPr>
+          <p:cNvSpPr>
+            <a:spLocks noGrp="1" noRot="1" noMove="1" noResize="1" noEditPoints="1" noAdjustHandles="1" noChangeArrowheads="1" noChangeShapeType="1"/>
+          </p:cNvSpPr>
+          <p:nvPr/>
+        </p:nvSpPr>
+        <p:spPr>
+          <a:xfrm>
+            <a:off x="19050" y="-1"/>
+            <a:ext cx="12192000" cy="2021305"/>
+          </a:xfrm>
+          <a:prstGeom prst="rect">
+            <a:avLst/>
+          </a:prstGeom>
+          <a:solidFill>
+            <a:srgbClr val="6667AB"/>
+          </a:solidFill>
+          <a:ln>
+            <a:noFill/>
+          </a:ln>
+        </p:spPr>
+        <p:style>
+          <a:lnRef idx="2">
+            <a:schemeClr val="accent1">
+              <a:shade val="15000"/>
+            </a:schemeClr>
+          </a:lnRef>
+          <a:fillRef idx="1">
+            <a:schemeClr val="accent1"/>
+          </a:fillRef>
+          <a:effectRef idx="0">
+            <a:schemeClr val="accent1"/>
+          </a:effectRef>
+          <a:fontRef idx="minor">
+            <a:schemeClr val="lt1"/>
+          </a:fontRef>
+        </p:style>
+        <p:txBody>
+          <a:bodyPr rtlCol="0" anchor="ctr"/>
+          <a:lstStyle/>
+          <a:p>
+            <a:pPr algn="ctr"/>
+            <a:endParaRPr lang="en-US"/>
+          </a:p>
+        </p:txBody>
+      </p:sp>
+      <p:sp>
+        <p:nvSpPr>
+          <p:cNvPr id="16" name="Rectangle 15">
+            <a:extLst>
+              <a:ext uri="{FF2B5EF4-FFF2-40B4-BE49-F238E27FC236}">
+                <a16:creationId xmlns:a16="http://schemas.microsoft.com/office/drawing/2014/main" id="{F41CB42D-A527-44ED-ADE2-30B3266BAFB1}"/>
+              </a:ext>
+              <a:ext uri="{C183D7F6-B498-43B3-948B-1728B52AA6E4}">
+                <adec:decorative xmlns:adec="http://schemas.microsoft.com/office/drawing/2017/decorative" val="1"/>
+              </a:ext>
+            </a:extLst>
+          </p:cNvPr>
+          <p:cNvSpPr>
+            <a:spLocks noGrp="1" noRot="1" noMove="1" noResize="1" noEditPoints="1" noAdjustHandles="1" noChangeArrowheads="1" noChangeShapeType="1"/>
+          </p:cNvSpPr>
+          <p:nvPr/>
+        </p:nvSpPr>
+        <p:spPr>
+          <a:xfrm>
+            <a:off x="228600" y="241300"/>
+            <a:ext cx="11772900" cy="6400800"/>
+          </a:xfrm>
+          <a:prstGeom prst="rect">
+            <a:avLst/>
+          </a:prstGeom>
+          <a:noFill/>
+          <a:ln w="25400">
+            <a:solidFill>
+              <a:schemeClr val="accent4"/>
+            </a:solidFill>
+          </a:ln>
+        </p:spPr>
+        <p:style>
+          <a:lnRef idx="2">
+            <a:schemeClr val="accent1">
+              <a:shade val="50000"/>
+            </a:schemeClr>
+          </a:lnRef>
+          <a:fillRef idx="1">
+            <a:schemeClr val="accent1"/>
+          </a:fillRef>
+          <a:effectRef idx="0">
+            <a:schemeClr val="accent1"/>
+          </a:effectRef>
+          <a:fontRef idx="minor">
+            <a:schemeClr val="lt1"/>
+          </a:fontRef>
+        </p:style>
+        <p:txBody>
+          <a:bodyPr rtlCol="0" anchor="ctr"/>
+          <a:lstStyle/>
+          <a:p>
+            <a:pPr algn="ctr"/>
+            <a:endParaRPr lang="en-US" dirty="0"/>
+          </a:p>
+        </p:txBody>
+      </p:sp>
+      <p:sp>
+        <p:nvSpPr>
+          <p:cNvPr id="2" name="Szövegdoboz 1">
+            <a:extLst>
+              <a:ext uri="{FF2B5EF4-FFF2-40B4-BE49-F238E27FC236}">
+                <a16:creationId xmlns:a16="http://schemas.microsoft.com/office/drawing/2014/main" id="{A5698814-6894-9760-B472-AF5295A4867A}"/>
+              </a:ext>
+            </a:extLst>
+          </p:cNvPr>
+          <p:cNvSpPr txBox="1"/>
+          <p:nvPr/>
+        </p:nvSpPr>
+        <p:spPr>
+          <a:xfrm>
+            <a:off x="533399" y="795298"/>
+            <a:ext cx="8498305" cy="1107996"/>
+          </a:xfrm>
+          <a:prstGeom prst="rect">
+            <a:avLst/>
+          </a:prstGeom>
+          <a:noFill/>
+        </p:spPr>
+        <p:txBody>
+          <a:bodyPr wrap="square" lIns="91440" tIns="45720" rIns="91440" bIns="45720" rtlCol="0" anchor="t">
+            <a:spAutoFit/>
+          </a:bodyPr>
+          <a:lstStyle>
+            <a:defPPr>
+              <a:defRPr lang="en-US"/>
+            </a:defPPr>
+            <a:lvl1pPr>
+              <a:defRPr sz="6600" b="1">
+                <a:solidFill>
+                  <a:srgbClr val="6667AB"/>
+                </a:solidFill>
+                <a:latin typeface="Aptos" panose="020B0004020202020204" pitchFamily="34" charset="0"/>
+              </a:defRPr>
+            </a:lvl1pPr>
+          </a:lstStyle>
+          <a:p>
+            <a:r>
+              <a:rPr lang="en-US" dirty="0">
+                <a:solidFill>
+                  <a:srgbClr val="D29381"/>
+                </a:solidFill>
+                <a:latin typeface="Aptos"/>
+              </a:rPr>
+              <a:t>Gantt diagram</a:t>
+            </a:r>
+            <a:endParaRPr lang="hu-HU" dirty="0"/>
+          </a:p>
+        </p:txBody>
+      </p:sp>
+      <p:pic>
+        <p:nvPicPr>
+          <p:cNvPr id="4" name="Kép 3" descr="A képen szöveg, képernyőkép, diagram, Diagram látható&#10;&#10;Automatikusan generált leírás">
+            <a:extLst>
+              <a:ext uri="{FF2B5EF4-FFF2-40B4-BE49-F238E27FC236}">
+                <a16:creationId xmlns:a16="http://schemas.microsoft.com/office/drawing/2014/main" id="{DF157FF4-134D-7DAB-0545-167A21DF184B}"/>
+              </a:ext>
+            </a:extLst>
+          </p:cNvPr>
+          <p:cNvPicPr>
+            <a:picLocks noChangeAspect="1"/>
+          </p:cNvPicPr>
+          <p:nvPr/>
+        </p:nvPicPr>
+        <p:blipFill>
+          <a:blip r:embed="rId3"/>
+          <a:stretch>
+            <a:fillRect/>
+          </a:stretch>
+        </p:blipFill>
+        <p:spPr>
+          <a:xfrm>
+            <a:off x="972766" y="2176948"/>
+            <a:ext cx="10286999" cy="4352362"/>
+          </a:xfrm>
+          <a:prstGeom prst="rect">
+            <a:avLst/>
+          </a:prstGeom>
+        </p:spPr>
+      </p:pic>
+    </p:spTree>
+    <p:extLst>
+      <p:ext uri="{BB962C8B-B14F-4D97-AF65-F5344CB8AC3E}">
+        <p14:creationId xmlns:p14="http://schemas.microsoft.com/office/powerpoint/2010/main" val="3503723494"/>
       </p:ext>
     </p:extLst>
   </p:cSld>

--- a/mf1_prezentacio.pptx
+++ b/mf1_prezentacio.pptx
@@ -196,7 +196,7 @@
 <file path=ppt/charts/chart1.xml><?xml version="1.0" encoding="utf-8"?>
 <c:chartSpace xmlns:c="http://schemas.openxmlformats.org/drawingml/2006/chart" xmlns:a="http://schemas.openxmlformats.org/drawingml/2006/main" xmlns:r="http://schemas.openxmlformats.org/officeDocument/2006/relationships" xmlns:c16r2="http://schemas.microsoft.com/office/drawing/2015/06/chart">
   <c:date1904 val="0"/>
-  <c:lang val="hu-HU"/>
+  <c:lang val="en-US"/>
   <c:roundedCorners val="0"/>
   <mc:AlternateContent xmlns:mc="http://schemas.openxmlformats.org/markup-compatibility/2006">
     <mc:Choice xmlns:c14="http://schemas.microsoft.com/office/drawing/2007/8/2/chart" Requires="c14">
@@ -275,7 +275,7 @@
               <a:cs typeface="+mn-cs"/>
             </a:defRPr>
           </a:pPr>
-          <a:endParaRPr lang="hu-HU"/>
+          <a:endParaRPr lang="en-US"/>
         </a:p>
       </c:txPr>
     </c:title>
@@ -410,7 +410,7 @@
                 <a:cs typeface="+mn-cs"/>
               </a:defRPr>
             </a:pPr>
-            <a:endParaRPr lang="hu-HU"/>
+            <a:endParaRPr lang="en-US"/>
           </a:p>
         </c:txPr>
         <c:crossAx val="281901711"/>
@@ -494,7 +494,7 @@
               <a:cs typeface="+mn-cs"/>
             </a:defRPr>
           </a:pPr>
-          <a:endParaRPr lang="hu-HU"/>
+          <a:endParaRPr lang="en-US"/>
         </a:p>
       </c:txPr>
     </c:legend>
@@ -523,7 +523,7 @@
       <a:pPr>
         <a:defRPr/>
       </a:pPr>
-      <a:endParaRPr lang="hu-HU"/>
+      <a:endParaRPr lang="en-US"/>
     </a:p>
   </c:txPr>
   <c:externalData r:id="rId3">
@@ -1171,7 +1171,7 @@
           <a:p>
             <a:fld id="{E54A69E4-EFBB-4687-8058-A94EE1B5781B}" type="datetimeFigureOut">
               <a:rPr lang="en-US" smtClean="0"/>
-              <a:t>10/10/2023</a:t>
+              <a:t>10/18/2023</a:t>
             </a:fld>
             <a:endParaRPr lang="en-US" dirty="0"/>
           </a:p>
@@ -1348,7 +1348,7 @@
           <a:p>
             <a:fld id="{CDE546B2-EB9C-4E9C-8793-C25F32D58B9A}" type="datetimeFigureOut">
               <a:rPr lang="en-US" smtClean="0"/>
-              <a:t>10/10/2023</a:t>
+              <a:t>10/18/2023</a:t>
             </a:fld>
             <a:endParaRPr lang="en-US" dirty="0"/>
           </a:p>
@@ -6433,7 +6433,7 @@
           <a:p>
             <a:fld id="{8F310904-DE8F-4B8E-99C6-5AFA03672FFA}" type="datetimeFigureOut">
               <a:rPr lang="en-US" smtClean="0"/>
-              <a:t>10/10/2023</a:t>
+              <a:t>10/18/2023</a:t>
             </a:fld>
             <a:endParaRPr lang="en-US" dirty="0"/>
           </a:p>
@@ -6964,7 +6964,7 @@
           <a:p>
             <a:fld id="{8F310904-DE8F-4B8E-99C6-5AFA03672FFA}" type="datetimeFigureOut">
               <a:rPr lang="en-US" smtClean="0"/>
-              <a:t>10/10/2023</a:t>
+              <a:t>10/18/2023</a:t>
             </a:fld>
             <a:endParaRPr lang="en-US" dirty="0"/>
           </a:p>
@@ -7492,7 +7492,7 @@
           <a:p>
             <a:fld id="{8F310904-DE8F-4B8E-99C6-5AFA03672FFA}" type="datetimeFigureOut">
               <a:rPr lang="en-US" smtClean="0"/>
-              <a:t>10/10/2023</a:t>
+              <a:t>10/18/2023</a:t>
             </a:fld>
             <a:endParaRPr lang="en-US" dirty="0"/>
           </a:p>
@@ -8020,7 +8020,7 @@
           <a:p>
             <a:fld id="{8F310904-DE8F-4B8E-99C6-5AFA03672FFA}" type="datetimeFigureOut">
               <a:rPr lang="en-US" smtClean="0"/>
-              <a:t>10/10/2023</a:t>
+              <a:t>10/18/2023</a:t>
             </a:fld>
             <a:endParaRPr lang="en-US" dirty="0"/>
           </a:p>
@@ -14236,7 +14236,7 @@
                   <a:srgbClr val="6667AB"/>
                 </a:solidFill>
               </a:rPr>
-              <a:t>Html, CSS</a:t>
+              <a:t>HTML, CSS</a:t>
             </a:r>
           </a:p>
           <a:p>
@@ -14276,7 +14276,7 @@
                   <a:srgbClr val="6667AB"/>
                 </a:solidFill>
               </a:rPr>
-              <a:t>JavaScript, PHP</a:t>
+              <a:t>JavaScript, NodeJS</a:t>
             </a:r>
           </a:p>
           <a:p>
